--- a/pizarra .pptx
+++ b/pizarra .pptx
@@ -7,6 +7,11 @@
   <p:sldIdLst>
     <p:sldId id="256" r:id="rId2"/>
     <p:sldId id="257" r:id="rId3"/>
+    <p:sldId id="258" r:id="rId4"/>
+    <p:sldId id="259" r:id="rId5"/>
+    <p:sldId id="260" r:id="rId6"/>
+    <p:sldId id="261" r:id="rId7"/>
+    <p:sldId id="262" r:id="rId8"/>
   </p:sldIdLst>
   <p:sldSz cx="9144000" cy="6858000" type="screen4x3"/>
   <p:notesSz cx="6858000" cy="9144000"/>
@@ -290,7 +295,7 @@
             <a:fld id="{7A847CFC-816F-41D0-AAC0-9BF4FEBC753E}" type="datetimeFigureOut">
               <a:rPr lang="es-ES" smtClean="0"/>
               <a:pPr/>
-              <a:t>20/05/2025</a:t>
+              <a:t>27/05/2025</a:t>
             </a:fld>
             <a:endParaRPr lang="es-ES"/>
           </a:p>
@@ -457,7 +462,7 @@
             <a:fld id="{7A847CFC-816F-41D0-AAC0-9BF4FEBC753E}" type="datetimeFigureOut">
               <a:rPr lang="es-ES" smtClean="0"/>
               <a:pPr/>
-              <a:t>20/05/2025</a:t>
+              <a:t>27/05/2025</a:t>
             </a:fld>
             <a:endParaRPr lang="es-ES"/>
           </a:p>
@@ -634,7 +639,7 @@
             <a:fld id="{7A847CFC-816F-41D0-AAC0-9BF4FEBC753E}" type="datetimeFigureOut">
               <a:rPr lang="es-ES" smtClean="0"/>
               <a:pPr/>
-              <a:t>20/05/2025</a:t>
+              <a:t>27/05/2025</a:t>
             </a:fld>
             <a:endParaRPr lang="es-ES"/>
           </a:p>
@@ -801,7 +806,7 @@
             <a:fld id="{7A847CFC-816F-41D0-AAC0-9BF4FEBC753E}" type="datetimeFigureOut">
               <a:rPr lang="es-ES" smtClean="0"/>
               <a:pPr/>
-              <a:t>20/05/2025</a:t>
+              <a:t>27/05/2025</a:t>
             </a:fld>
             <a:endParaRPr lang="es-ES"/>
           </a:p>
@@ -1044,7 +1049,7 @@
             <a:fld id="{7A847CFC-816F-41D0-AAC0-9BF4FEBC753E}" type="datetimeFigureOut">
               <a:rPr lang="es-ES" smtClean="0"/>
               <a:pPr/>
-              <a:t>20/05/2025</a:t>
+              <a:t>27/05/2025</a:t>
             </a:fld>
             <a:endParaRPr lang="es-ES"/>
           </a:p>
@@ -1329,7 +1334,7 @@
             <a:fld id="{7A847CFC-816F-41D0-AAC0-9BF4FEBC753E}" type="datetimeFigureOut">
               <a:rPr lang="es-ES" smtClean="0"/>
               <a:pPr/>
-              <a:t>20/05/2025</a:t>
+              <a:t>27/05/2025</a:t>
             </a:fld>
             <a:endParaRPr lang="es-ES"/>
           </a:p>
@@ -1748,7 +1753,7 @@
             <a:fld id="{7A847CFC-816F-41D0-AAC0-9BF4FEBC753E}" type="datetimeFigureOut">
               <a:rPr lang="es-ES" smtClean="0"/>
               <a:pPr/>
-              <a:t>20/05/2025</a:t>
+              <a:t>27/05/2025</a:t>
             </a:fld>
             <a:endParaRPr lang="es-ES"/>
           </a:p>
@@ -1863,7 +1868,7 @@
             <a:fld id="{7A847CFC-816F-41D0-AAC0-9BF4FEBC753E}" type="datetimeFigureOut">
               <a:rPr lang="es-ES" smtClean="0"/>
               <a:pPr/>
-              <a:t>20/05/2025</a:t>
+              <a:t>27/05/2025</a:t>
             </a:fld>
             <a:endParaRPr lang="es-ES"/>
           </a:p>
@@ -1955,7 +1960,7 @@
             <a:fld id="{7A847CFC-816F-41D0-AAC0-9BF4FEBC753E}" type="datetimeFigureOut">
               <a:rPr lang="es-ES" smtClean="0"/>
               <a:pPr/>
-              <a:t>20/05/2025</a:t>
+              <a:t>27/05/2025</a:t>
             </a:fld>
             <a:endParaRPr lang="es-ES"/>
           </a:p>
@@ -2229,7 +2234,7 @@
             <a:fld id="{7A847CFC-816F-41D0-AAC0-9BF4FEBC753E}" type="datetimeFigureOut">
               <a:rPr lang="es-ES" smtClean="0"/>
               <a:pPr/>
-              <a:t>20/05/2025</a:t>
+              <a:t>27/05/2025</a:t>
             </a:fld>
             <a:endParaRPr lang="es-ES"/>
           </a:p>
@@ -2479,7 +2484,7 @@
             <a:fld id="{7A847CFC-816F-41D0-AAC0-9BF4FEBC753E}" type="datetimeFigureOut">
               <a:rPr lang="es-ES" smtClean="0"/>
               <a:pPr/>
-              <a:t>20/05/2025</a:t>
+              <a:t>27/05/2025</a:t>
             </a:fld>
             <a:endParaRPr lang="es-ES"/>
           </a:p>
@@ -2689,7 +2694,7 @@
             <a:fld id="{7A847CFC-816F-41D0-AAC0-9BF4FEBC753E}" type="datetimeFigureOut">
               <a:rPr lang="es-ES" smtClean="0"/>
               <a:pPr/>
-              <a:t>20/05/2025</a:t>
+              <a:t>27/05/2025</a:t>
             </a:fld>
             <a:endParaRPr lang="es-ES"/>
           </a:p>
@@ -4014,6 +4019,2244 @@
           </a:fontRef>
         </p:style>
       </p:cxnSp>
+    </p:spTree>
+  </p:cSld>
+  <p:clrMapOvr>
+    <a:masterClrMapping/>
+  </p:clrMapOvr>
+</p:sld>
+</file>
+
+<file path=ppt/slides/slide3.xml><?xml version="1.0" encoding="utf-8"?>
+<p:sld xmlns:a="http://schemas.openxmlformats.org/drawingml/2006/main" xmlns:r="http://schemas.openxmlformats.org/officeDocument/2006/relationships" xmlns:p="http://schemas.openxmlformats.org/presentationml/2006/main">
+  <p:cSld>
+    <p:spTree>
+      <p:nvGrpSpPr>
+        <p:cNvPr id="1" name=""/>
+        <p:cNvGrpSpPr/>
+        <p:nvPr/>
+      </p:nvGrpSpPr>
+      <p:grpSpPr>
+        <a:xfrm>
+          <a:off x="0" y="0"/>
+          <a:ext cx="0" cy="0"/>
+          <a:chOff x="0" y="0"/>
+          <a:chExt cx="0" cy="0"/>
+        </a:xfrm>
+      </p:grpSpPr>
+      <p:sp>
+        <p:nvSpPr>
+          <p:cNvPr id="2" name="1 CuadroTexto"/>
+          <p:cNvSpPr txBox="1"/>
+          <p:nvPr/>
+        </p:nvSpPr>
+        <p:spPr>
+          <a:xfrm>
+            <a:off x="1691680" y="548680"/>
+            <a:ext cx="4608512" cy="369332"/>
+          </a:xfrm>
+          <a:prstGeom prst="rect">
+            <a:avLst/>
+          </a:prstGeom>
+          <a:noFill/>
+        </p:spPr>
+        <p:txBody>
+          <a:bodyPr wrap="square" rtlCol="0">
+            <a:spAutoFit/>
+          </a:bodyPr>
+          <a:lstStyle/>
+          <a:p>
+            <a:r>
+              <a:rPr lang="es-ES" dirty="0" smtClean="0"/>
+              <a:t>Códigos de estado HTTP</a:t>
+            </a:r>
+            <a:endParaRPr lang="es-ES" dirty="0"/>
+          </a:p>
+        </p:txBody>
+      </p:sp>
+      <p:sp>
+        <p:nvSpPr>
+          <p:cNvPr id="3" name="2 Elipse"/>
+          <p:cNvSpPr/>
+          <p:nvPr/>
+        </p:nvSpPr>
+        <p:spPr>
+          <a:xfrm>
+            <a:off x="4427984" y="2492896"/>
+            <a:ext cx="2880320" cy="1296144"/>
+          </a:xfrm>
+          <a:prstGeom prst="ellipse">
+            <a:avLst/>
+          </a:prstGeom>
+        </p:spPr>
+        <p:style>
+          <a:lnRef idx="2">
+            <a:schemeClr val="accent1">
+              <a:shade val="50000"/>
+            </a:schemeClr>
+          </a:lnRef>
+          <a:fillRef idx="1">
+            <a:schemeClr val="accent1"/>
+          </a:fillRef>
+          <a:effectRef idx="0">
+            <a:schemeClr val="accent1"/>
+          </a:effectRef>
+          <a:fontRef idx="minor">
+            <a:schemeClr val="lt1"/>
+          </a:fontRef>
+        </p:style>
+        <p:txBody>
+          <a:bodyPr rtlCol="0" anchor="ctr"/>
+          <a:lstStyle/>
+          <a:p>
+            <a:pPr algn="ctr"/>
+            <a:endParaRPr lang="es-ES"/>
+          </a:p>
+        </p:txBody>
+      </p:sp>
+      <p:sp>
+        <p:nvSpPr>
+          <p:cNvPr id="4" name="3 CuadroTexto"/>
+          <p:cNvSpPr txBox="1"/>
+          <p:nvPr/>
+        </p:nvSpPr>
+        <p:spPr>
+          <a:xfrm>
+            <a:off x="5076056" y="2852936"/>
+            <a:ext cx="2088232" cy="523220"/>
+          </a:xfrm>
+          <a:prstGeom prst="rect">
+            <a:avLst/>
+          </a:prstGeom>
+          <a:noFill/>
+        </p:spPr>
+        <p:txBody>
+          <a:bodyPr wrap="square" rtlCol="0">
+            <a:spAutoFit/>
+          </a:bodyPr>
+          <a:lstStyle/>
+          <a:p>
+            <a:r>
+              <a:rPr lang="es-ES" sz="2800" dirty="0" err="1" smtClean="0"/>
+              <a:t>backend</a:t>
+            </a:r>
+            <a:endParaRPr lang="es-ES" sz="2800" dirty="0"/>
+          </a:p>
+        </p:txBody>
+      </p:sp>
+      <p:sp>
+        <p:nvSpPr>
+          <p:cNvPr id="5" name="4 Forma libre"/>
+          <p:cNvSpPr/>
+          <p:nvPr/>
+        </p:nvSpPr>
+        <p:spPr>
+          <a:xfrm>
+            <a:off x="931653" y="2175294"/>
+            <a:ext cx="3493698" cy="774940"/>
+          </a:xfrm>
+          <a:custGeom>
+            <a:avLst/>
+            <a:gdLst>
+              <a:gd name="connsiteX0" fmla="*/ 0 w 3493698"/>
+              <a:gd name="connsiteY0" fmla="*/ 680049 h 774940"/>
+              <a:gd name="connsiteX1" fmla="*/ 1535502 w 3493698"/>
+              <a:gd name="connsiteY1" fmla="*/ 15815 h 774940"/>
+              <a:gd name="connsiteX2" fmla="*/ 3493698 w 3493698"/>
+              <a:gd name="connsiteY2" fmla="*/ 774940 h 774940"/>
+            </a:gdLst>
+            <a:ahLst/>
+            <a:cxnLst>
+              <a:cxn ang="0">
+                <a:pos x="connsiteX0" y="connsiteY0"/>
+              </a:cxn>
+              <a:cxn ang="0">
+                <a:pos x="connsiteX1" y="connsiteY1"/>
+              </a:cxn>
+              <a:cxn ang="0">
+                <a:pos x="connsiteX2" y="connsiteY2"/>
+              </a:cxn>
+            </a:cxnLst>
+            <a:rect l="l" t="t" r="r" b="b"/>
+            <a:pathLst>
+              <a:path w="3493698" h="774940">
+                <a:moveTo>
+                  <a:pt x="0" y="680049"/>
+                </a:moveTo>
+                <a:cubicBezTo>
+                  <a:pt x="476609" y="340024"/>
+                  <a:pt x="953219" y="0"/>
+                  <a:pt x="1535502" y="15815"/>
+                </a:cubicBezTo>
+                <a:cubicBezTo>
+                  <a:pt x="2117785" y="31630"/>
+                  <a:pt x="2805741" y="403285"/>
+                  <a:pt x="3493698" y="774940"/>
+                </a:cubicBezTo>
+              </a:path>
+            </a:pathLst>
+          </a:custGeom>
+          <a:ln>
+            <a:tailEnd type="triangle"/>
+          </a:ln>
+        </p:spPr>
+        <p:style>
+          <a:lnRef idx="1">
+            <a:schemeClr val="accent1"/>
+          </a:lnRef>
+          <a:fillRef idx="0">
+            <a:schemeClr val="accent1"/>
+          </a:fillRef>
+          <a:effectRef idx="0">
+            <a:schemeClr val="accent1"/>
+          </a:effectRef>
+          <a:fontRef idx="minor">
+            <a:schemeClr val="tx1"/>
+          </a:fontRef>
+        </p:style>
+        <p:txBody>
+          <a:bodyPr rtlCol="0" anchor="ctr"/>
+          <a:lstStyle/>
+          <a:p>
+            <a:pPr algn="ctr"/>
+            <a:endParaRPr lang="es-ES"/>
+          </a:p>
+        </p:txBody>
+      </p:sp>
+      <p:sp>
+        <p:nvSpPr>
+          <p:cNvPr id="6" name="5 Forma libre"/>
+          <p:cNvSpPr/>
+          <p:nvPr/>
+        </p:nvSpPr>
+        <p:spPr>
+          <a:xfrm>
+            <a:off x="1078302" y="3519577"/>
+            <a:ext cx="3502324" cy="737559"/>
+          </a:xfrm>
+          <a:custGeom>
+            <a:avLst/>
+            <a:gdLst>
+              <a:gd name="connsiteX0" fmla="*/ 3502324 w 3502324"/>
+              <a:gd name="connsiteY0" fmla="*/ 0 h 737559"/>
+              <a:gd name="connsiteX1" fmla="*/ 1768415 w 3502324"/>
+              <a:gd name="connsiteY1" fmla="*/ 698740 h 737559"/>
+              <a:gd name="connsiteX2" fmla="*/ 0 w 3502324"/>
+              <a:gd name="connsiteY2" fmla="*/ 232914 h 737559"/>
+            </a:gdLst>
+            <a:ahLst/>
+            <a:cxnLst>
+              <a:cxn ang="0">
+                <a:pos x="connsiteX0" y="connsiteY0"/>
+              </a:cxn>
+              <a:cxn ang="0">
+                <a:pos x="connsiteX1" y="connsiteY1"/>
+              </a:cxn>
+              <a:cxn ang="0">
+                <a:pos x="connsiteX2" y="connsiteY2"/>
+              </a:cxn>
+            </a:cxnLst>
+            <a:rect l="l" t="t" r="r" b="b"/>
+            <a:pathLst>
+              <a:path w="3502324" h="737559">
+                <a:moveTo>
+                  <a:pt x="3502324" y="0"/>
+                </a:moveTo>
+                <a:cubicBezTo>
+                  <a:pt x="2927230" y="329960"/>
+                  <a:pt x="2352136" y="659921"/>
+                  <a:pt x="1768415" y="698740"/>
+                </a:cubicBezTo>
+                <a:cubicBezTo>
+                  <a:pt x="1184694" y="737559"/>
+                  <a:pt x="592347" y="485236"/>
+                  <a:pt x="0" y="232914"/>
+                </a:cubicBezTo>
+              </a:path>
+            </a:pathLst>
+          </a:custGeom>
+          <a:ln>
+            <a:tailEnd type="triangle"/>
+          </a:ln>
+        </p:spPr>
+        <p:style>
+          <a:lnRef idx="1">
+            <a:schemeClr val="accent1"/>
+          </a:lnRef>
+          <a:fillRef idx="0">
+            <a:schemeClr val="accent1"/>
+          </a:fillRef>
+          <a:effectRef idx="0">
+            <a:schemeClr val="accent1"/>
+          </a:effectRef>
+          <a:fontRef idx="minor">
+            <a:schemeClr val="tx1"/>
+          </a:fontRef>
+        </p:style>
+        <p:txBody>
+          <a:bodyPr rtlCol="0" anchor="ctr"/>
+          <a:lstStyle/>
+          <a:p>
+            <a:pPr algn="ctr"/>
+            <a:endParaRPr lang="es-ES"/>
+          </a:p>
+        </p:txBody>
+      </p:sp>
+      <p:sp>
+        <p:nvSpPr>
+          <p:cNvPr id="7" name="6 Rectángulo"/>
+          <p:cNvSpPr/>
+          <p:nvPr/>
+        </p:nvSpPr>
+        <p:spPr>
+          <a:xfrm>
+            <a:off x="971600" y="4581128"/>
+            <a:ext cx="5256584" cy="576064"/>
+          </a:xfrm>
+          <a:prstGeom prst="rect">
+            <a:avLst/>
+          </a:prstGeom>
+          <a:noFill/>
+        </p:spPr>
+        <p:style>
+          <a:lnRef idx="2">
+            <a:schemeClr val="accent1">
+              <a:shade val="50000"/>
+            </a:schemeClr>
+          </a:lnRef>
+          <a:fillRef idx="1">
+            <a:schemeClr val="accent1"/>
+          </a:fillRef>
+          <a:effectRef idx="0">
+            <a:schemeClr val="accent1"/>
+          </a:effectRef>
+          <a:fontRef idx="minor">
+            <a:schemeClr val="lt1"/>
+          </a:fontRef>
+        </p:style>
+        <p:txBody>
+          <a:bodyPr rtlCol="0" anchor="ctr"/>
+          <a:lstStyle/>
+          <a:p>
+            <a:pPr algn="ctr"/>
+            <a:endParaRPr lang="es-ES"/>
+          </a:p>
+        </p:txBody>
+      </p:sp>
+      <p:cxnSp>
+        <p:nvCxnSpPr>
+          <p:cNvPr id="9" name="8 Conector recto"/>
+          <p:cNvCxnSpPr/>
+          <p:nvPr/>
+        </p:nvCxnSpPr>
+        <p:spPr>
+          <a:xfrm>
+            <a:off x="2627784" y="4581128"/>
+            <a:ext cx="0" cy="576064"/>
+          </a:xfrm>
+          <a:prstGeom prst="line">
+            <a:avLst/>
+          </a:prstGeom>
+        </p:spPr>
+        <p:style>
+          <a:lnRef idx="1">
+            <a:schemeClr val="accent1"/>
+          </a:lnRef>
+          <a:fillRef idx="0">
+            <a:schemeClr val="accent1"/>
+          </a:fillRef>
+          <a:effectRef idx="0">
+            <a:schemeClr val="accent1"/>
+          </a:effectRef>
+          <a:fontRef idx="minor">
+            <a:schemeClr val="tx1"/>
+          </a:fontRef>
+        </p:style>
+      </p:cxnSp>
+      <p:sp>
+        <p:nvSpPr>
+          <p:cNvPr id="10" name="9 CuadroTexto"/>
+          <p:cNvSpPr txBox="1"/>
+          <p:nvPr/>
+        </p:nvSpPr>
+        <p:spPr>
+          <a:xfrm>
+            <a:off x="3347864" y="4653136"/>
+            <a:ext cx="2592288" cy="369332"/>
+          </a:xfrm>
+          <a:prstGeom prst="rect">
+            <a:avLst/>
+          </a:prstGeom>
+          <a:noFill/>
+        </p:spPr>
+        <p:txBody>
+          <a:bodyPr wrap="square" rtlCol="0">
+            <a:spAutoFit/>
+          </a:bodyPr>
+          <a:lstStyle/>
+          <a:p>
+            <a:r>
+              <a:rPr lang="es-ES" dirty="0" smtClean="0"/>
+              <a:t>JSON</a:t>
+            </a:r>
+            <a:endParaRPr lang="es-ES" dirty="0"/>
+          </a:p>
+        </p:txBody>
+      </p:sp>
+      <p:sp>
+        <p:nvSpPr>
+          <p:cNvPr id="11" name="10 CuadroTexto"/>
+          <p:cNvSpPr txBox="1"/>
+          <p:nvPr/>
+        </p:nvSpPr>
+        <p:spPr>
+          <a:xfrm>
+            <a:off x="1115616" y="4653136"/>
+            <a:ext cx="1512168" cy="369332"/>
+          </a:xfrm>
+          <a:prstGeom prst="rect">
+            <a:avLst/>
+          </a:prstGeom>
+          <a:noFill/>
+        </p:spPr>
+        <p:txBody>
+          <a:bodyPr wrap="square" rtlCol="0">
+            <a:spAutoFit/>
+          </a:bodyPr>
+          <a:lstStyle/>
+          <a:p>
+            <a:r>
+              <a:rPr lang="es-ES" dirty="0" smtClean="0"/>
+              <a:t>código estado</a:t>
+            </a:r>
+            <a:endParaRPr lang="es-ES" dirty="0"/>
+          </a:p>
+        </p:txBody>
+      </p:sp>
+    </p:spTree>
+  </p:cSld>
+  <p:clrMapOvr>
+    <a:masterClrMapping/>
+  </p:clrMapOvr>
+</p:sld>
+</file>
+
+<file path=ppt/slides/slide4.xml><?xml version="1.0" encoding="utf-8"?>
+<p:sld xmlns:a="http://schemas.openxmlformats.org/drawingml/2006/main" xmlns:r="http://schemas.openxmlformats.org/officeDocument/2006/relationships" xmlns:p="http://schemas.openxmlformats.org/presentationml/2006/main">
+  <p:cSld>
+    <p:spTree>
+      <p:nvGrpSpPr>
+        <p:cNvPr id="1" name=""/>
+        <p:cNvGrpSpPr/>
+        <p:nvPr/>
+      </p:nvGrpSpPr>
+      <p:grpSpPr>
+        <a:xfrm>
+          <a:off x="0" y="0"/>
+          <a:ext cx="0" cy="0"/>
+          <a:chOff x="0" y="0"/>
+          <a:chExt cx="0" cy="0"/>
+        </a:xfrm>
+      </p:grpSpPr>
+      <p:sp>
+        <p:nvSpPr>
+          <p:cNvPr id="2" name="1 CuadroTexto"/>
+          <p:cNvSpPr txBox="1"/>
+          <p:nvPr/>
+        </p:nvSpPr>
+        <p:spPr>
+          <a:xfrm>
+            <a:off x="1547664" y="476672"/>
+            <a:ext cx="6192688" cy="461665"/>
+          </a:xfrm>
+          <a:prstGeom prst="rect">
+            <a:avLst/>
+          </a:prstGeom>
+          <a:noFill/>
+        </p:spPr>
+        <p:txBody>
+          <a:bodyPr wrap="square" rtlCol="0">
+            <a:spAutoFit/>
+          </a:bodyPr>
+          <a:lstStyle/>
+          <a:p>
+            <a:r>
+              <a:rPr lang="es-ES" sz="2400" dirty="0" smtClean="0"/>
+              <a:t>Estructura proyecto </a:t>
+            </a:r>
+            <a:r>
+              <a:rPr lang="es-ES" sz="2400" dirty="0" err="1" smtClean="0"/>
+              <a:t>backend</a:t>
+            </a:r>
+            <a:endParaRPr lang="es-ES" sz="2400" dirty="0" smtClean="0"/>
+          </a:p>
+        </p:txBody>
+      </p:sp>
+      <p:sp>
+        <p:nvSpPr>
+          <p:cNvPr id="3" name="2 Tarjeta"/>
+          <p:cNvSpPr/>
+          <p:nvPr/>
+        </p:nvSpPr>
+        <p:spPr>
+          <a:xfrm>
+            <a:off x="1691680" y="1988840"/>
+            <a:ext cx="1152128" cy="648072"/>
+          </a:xfrm>
+          <a:prstGeom prst="flowChartPunchedCard">
+            <a:avLst/>
+          </a:prstGeom>
+          <a:noFill/>
+        </p:spPr>
+        <p:style>
+          <a:lnRef idx="2">
+            <a:schemeClr val="accent1">
+              <a:shade val="50000"/>
+            </a:schemeClr>
+          </a:lnRef>
+          <a:fillRef idx="1">
+            <a:schemeClr val="accent1"/>
+          </a:fillRef>
+          <a:effectRef idx="0">
+            <a:schemeClr val="accent1"/>
+          </a:effectRef>
+          <a:fontRef idx="minor">
+            <a:schemeClr val="lt1"/>
+          </a:fontRef>
+        </p:style>
+        <p:txBody>
+          <a:bodyPr rtlCol="0" anchor="ctr"/>
+          <a:lstStyle/>
+          <a:p>
+            <a:pPr algn="ctr"/>
+            <a:endParaRPr lang="es-ES"/>
+          </a:p>
+        </p:txBody>
+      </p:sp>
+      <p:sp>
+        <p:nvSpPr>
+          <p:cNvPr id="4" name="3 CuadroTexto"/>
+          <p:cNvSpPr txBox="1"/>
+          <p:nvPr/>
+        </p:nvSpPr>
+        <p:spPr>
+          <a:xfrm>
+            <a:off x="1887452" y="2081100"/>
+            <a:ext cx="864096" cy="461665"/>
+          </a:xfrm>
+          <a:prstGeom prst="rect">
+            <a:avLst/>
+          </a:prstGeom>
+          <a:noFill/>
+        </p:spPr>
+        <p:txBody>
+          <a:bodyPr wrap="square" rtlCol="0">
+            <a:spAutoFit/>
+          </a:bodyPr>
+          <a:lstStyle/>
+          <a:p>
+            <a:r>
+              <a:rPr lang="es-ES" sz="2400" dirty="0" err="1" smtClean="0"/>
+              <a:t>src</a:t>
+            </a:r>
+            <a:endParaRPr lang="es-ES" sz="2400" dirty="0"/>
+          </a:p>
+        </p:txBody>
+      </p:sp>
+      <p:sp>
+        <p:nvSpPr>
+          <p:cNvPr id="5" name="4 Tarjeta"/>
+          <p:cNvSpPr/>
+          <p:nvPr/>
+        </p:nvSpPr>
+        <p:spPr>
+          <a:xfrm>
+            <a:off x="2627784" y="2996952"/>
+            <a:ext cx="2376264" cy="648072"/>
+          </a:xfrm>
+          <a:prstGeom prst="flowChartPunchedCard">
+            <a:avLst/>
+          </a:prstGeom>
+          <a:noFill/>
+        </p:spPr>
+        <p:style>
+          <a:lnRef idx="2">
+            <a:schemeClr val="accent1">
+              <a:shade val="50000"/>
+            </a:schemeClr>
+          </a:lnRef>
+          <a:fillRef idx="1">
+            <a:schemeClr val="accent1"/>
+          </a:fillRef>
+          <a:effectRef idx="0">
+            <a:schemeClr val="accent1"/>
+          </a:effectRef>
+          <a:fontRef idx="minor">
+            <a:schemeClr val="lt1"/>
+          </a:fontRef>
+        </p:style>
+        <p:txBody>
+          <a:bodyPr rtlCol="0" anchor="ctr"/>
+          <a:lstStyle/>
+          <a:p>
+            <a:pPr algn="ctr"/>
+            <a:endParaRPr lang="es-ES"/>
+          </a:p>
+        </p:txBody>
+      </p:sp>
+      <p:sp>
+        <p:nvSpPr>
+          <p:cNvPr id="6" name="5 CuadroTexto"/>
+          <p:cNvSpPr txBox="1"/>
+          <p:nvPr/>
+        </p:nvSpPr>
+        <p:spPr>
+          <a:xfrm>
+            <a:off x="2823556" y="3089212"/>
+            <a:ext cx="1892460" cy="461665"/>
+          </a:xfrm>
+          <a:prstGeom prst="rect">
+            <a:avLst/>
+          </a:prstGeom>
+          <a:noFill/>
+        </p:spPr>
+        <p:txBody>
+          <a:bodyPr wrap="square" rtlCol="0">
+            <a:spAutoFit/>
+          </a:bodyPr>
+          <a:lstStyle/>
+          <a:p>
+            <a:r>
+              <a:rPr lang="es-ES" sz="2400" dirty="0" err="1" smtClean="0"/>
+              <a:t>controller</a:t>
+            </a:r>
+            <a:endParaRPr lang="es-ES" sz="2400" dirty="0"/>
+          </a:p>
+        </p:txBody>
+      </p:sp>
+      <p:sp>
+        <p:nvSpPr>
+          <p:cNvPr id="7" name="6 Tarjeta"/>
+          <p:cNvSpPr/>
+          <p:nvPr/>
+        </p:nvSpPr>
+        <p:spPr>
+          <a:xfrm>
+            <a:off x="2627784" y="3933056"/>
+            <a:ext cx="2376264" cy="648072"/>
+          </a:xfrm>
+          <a:prstGeom prst="flowChartPunchedCard">
+            <a:avLst/>
+          </a:prstGeom>
+          <a:noFill/>
+        </p:spPr>
+        <p:style>
+          <a:lnRef idx="2">
+            <a:schemeClr val="accent1">
+              <a:shade val="50000"/>
+            </a:schemeClr>
+          </a:lnRef>
+          <a:fillRef idx="1">
+            <a:schemeClr val="accent1"/>
+          </a:fillRef>
+          <a:effectRef idx="0">
+            <a:schemeClr val="accent1"/>
+          </a:effectRef>
+          <a:fontRef idx="minor">
+            <a:schemeClr val="lt1"/>
+          </a:fontRef>
+        </p:style>
+        <p:txBody>
+          <a:bodyPr rtlCol="0" anchor="ctr"/>
+          <a:lstStyle/>
+          <a:p>
+            <a:pPr algn="ctr"/>
+            <a:endParaRPr lang="es-ES"/>
+          </a:p>
+        </p:txBody>
+      </p:sp>
+      <p:sp>
+        <p:nvSpPr>
+          <p:cNvPr id="8" name="7 CuadroTexto"/>
+          <p:cNvSpPr txBox="1"/>
+          <p:nvPr/>
+        </p:nvSpPr>
+        <p:spPr>
+          <a:xfrm>
+            <a:off x="2823556" y="4025316"/>
+            <a:ext cx="1892460" cy="461665"/>
+          </a:xfrm>
+          <a:prstGeom prst="rect">
+            <a:avLst/>
+          </a:prstGeom>
+          <a:noFill/>
+        </p:spPr>
+        <p:txBody>
+          <a:bodyPr wrap="square" rtlCol="0">
+            <a:spAutoFit/>
+          </a:bodyPr>
+          <a:lstStyle/>
+          <a:p>
+            <a:r>
+              <a:rPr lang="es-ES" sz="2400" dirty="0" err="1" smtClean="0"/>
+              <a:t>service</a:t>
+            </a:r>
+            <a:endParaRPr lang="es-ES" sz="2400" dirty="0"/>
+          </a:p>
+        </p:txBody>
+      </p:sp>
+      <p:sp>
+        <p:nvSpPr>
+          <p:cNvPr id="9" name="8 Tarjeta"/>
+          <p:cNvSpPr/>
+          <p:nvPr/>
+        </p:nvSpPr>
+        <p:spPr>
+          <a:xfrm>
+            <a:off x="2627784" y="4797152"/>
+            <a:ext cx="2376264" cy="648072"/>
+          </a:xfrm>
+          <a:prstGeom prst="flowChartPunchedCard">
+            <a:avLst/>
+          </a:prstGeom>
+          <a:noFill/>
+        </p:spPr>
+        <p:style>
+          <a:lnRef idx="2">
+            <a:schemeClr val="accent1">
+              <a:shade val="50000"/>
+            </a:schemeClr>
+          </a:lnRef>
+          <a:fillRef idx="1">
+            <a:schemeClr val="accent1"/>
+          </a:fillRef>
+          <a:effectRef idx="0">
+            <a:schemeClr val="accent1"/>
+          </a:effectRef>
+          <a:fontRef idx="minor">
+            <a:schemeClr val="lt1"/>
+          </a:fontRef>
+        </p:style>
+        <p:txBody>
+          <a:bodyPr rtlCol="0" anchor="ctr"/>
+          <a:lstStyle/>
+          <a:p>
+            <a:pPr algn="ctr"/>
+            <a:endParaRPr lang="es-ES"/>
+          </a:p>
+        </p:txBody>
+      </p:sp>
+      <p:sp>
+        <p:nvSpPr>
+          <p:cNvPr id="10" name="9 CuadroTexto"/>
+          <p:cNvSpPr txBox="1"/>
+          <p:nvPr/>
+        </p:nvSpPr>
+        <p:spPr>
+          <a:xfrm>
+            <a:off x="2823556" y="4889412"/>
+            <a:ext cx="1892460" cy="461665"/>
+          </a:xfrm>
+          <a:prstGeom prst="rect">
+            <a:avLst/>
+          </a:prstGeom>
+          <a:noFill/>
+        </p:spPr>
+        <p:txBody>
+          <a:bodyPr wrap="square" rtlCol="0">
+            <a:spAutoFit/>
+          </a:bodyPr>
+          <a:lstStyle/>
+          <a:p>
+            <a:r>
+              <a:rPr lang="es-ES" sz="2400" dirty="0" err="1" smtClean="0"/>
+              <a:t>model</a:t>
+            </a:r>
+            <a:endParaRPr lang="es-ES" sz="2400" dirty="0"/>
+          </a:p>
+        </p:txBody>
+      </p:sp>
+      <p:cxnSp>
+        <p:nvCxnSpPr>
+          <p:cNvPr id="12" name="11 Conector recto"/>
+          <p:cNvCxnSpPr>
+            <a:stCxn id="3" idx="2"/>
+          </p:cNvCxnSpPr>
+          <p:nvPr/>
+        </p:nvCxnSpPr>
+        <p:spPr>
+          <a:xfrm>
+            <a:off x="2267744" y="2636912"/>
+            <a:ext cx="0" cy="2520280"/>
+          </a:xfrm>
+          <a:prstGeom prst="line">
+            <a:avLst/>
+          </a:prstGeom>
+        </p:spPr>
+        <p:style>
+          <a:lnRef idx="1">
+            <a:schemeClr val="accent1"/>
+          </a:lnRef>
+          <a:fillRef idx="0">
+            <a:schemeClr val="accent1"/>
+          </a:fillRef>
+          <a:effectRef idx="0">
+            <a:schemeClr val="accent1"/>
+          </a:effectRef>
+          <a:fontRef idx="minor">
+            <a:schemeClr val="tx1"/>
+          </a:fontRef>
+        </p:style>
+      </p:cxnSp>
+      <p:cxnSp>
+        <p:nvCxnSpPr>
+          <p:cNvPr id="14" name="13 Conector recto"/>
+          <p:cNvCxnSpPr>
+            <a:endCxn id="9" idx="1"/>
+          </p:cNvCxnSpPr>
+          <p:nvPr/>
+        </p:nvCxnSpPr>
+        <p:spPr>
+          <a:xfrm flipV="1">
+            <a:off x="2267744" y="5121188"/>
+            <a:ext cx="360040" cy="36004"/>
+          </a:xfrm>
+          <a:prstGeom prst="line">
+            <a:avLst/>
+          </a:prstGeom>
+        </p:spPr>
+        <p:style>
+          <a:lnRef idx="1">
+            <a:schemeClr val="accent1"/>
+          </a:lnRef>
+          <a:fillRef idx="0">
+            <a:schemeClr val="accent1"/>
+          </a:fillRef>
+          <a:effectRef idx="0">
+            <a:schemeClr val="accent1"/>
+          </a:effectRef>
+          <a:fontRef idx="minor">
+            <a:schemeClr val="tx1"/>
+          </a:fontRef>
+        </p:style>
+      </p:cxnSp>
+      <p:cxnSp>
+        <p:nvCxnSpPr>
+          <p:cNvPr id="16" name="15 Conector recto"/>
+          <p:cNvCxnSpPr>
+            <a:endCxn id="7" idx="1"/>
+          </p:cNvCxnSpPr>
+          <p:nvPr/>
+        </p:nvCxnSpPr>
+        <p:spPr>
+          <a:xfrm>
+            <a:off x="2267744" y="4221088"/>
+            <a:ext cx="360040" cy="36004"/>
+          </a:xfrm>
+          <a:prstGeom prst="line">
+            <a:avLst/>
+          </a:prstGeom>
+        </p:spPr>
+        <p:style>
+          <a:lnRef idx="1">
+            <a:schemeClr val="accent1"/>
+          </a:lnRef>
+          <a:fillRef idx="0">
+            <a:schemeClr val="accent1"/>
+          </a:fillRef>
+          <a:effectRef idx="0">
+            <a:schemeClr val="accent1"/>
+          </a:effectRef>
+          <a:fontRef idx="minor">
+            <a:schemeClr val="tx1"/>
+          </a:fontRef>
+        </p:style>
+      </p:cxnSp>
+      <p:cxnSp>
+        <p:nvCxnSpPr>
+          <p:cNvPr id="18" name="17 Conector recto"/>
+          <p:cNvCxnSpPr>
+            <a:endCxn id="5" idx="1"/>
+          </p:cNvCxnSpPr>
+          <p:nvPr/>
+        </p:nvCxnSpPr>
+        <p:spPr>
+          <a:xfrm flipV="1">
+            <a:off x="2267744" y="3320988"/>
+            <a:ext cx="360040" cy="36004"/>
+          </a:xfrm>
+          <a:prstGeom prst="line">
+            <a:avLst/>
+          </a:prstGeom>
+        </p:spPr>
+        <p:style>
+          <a:lnRef idx="1">
+            <a:schemeClr val="accent1"/>
+          </a:lnRef>
+          <a:fillRef idx="0">
+            <a:schemeClr val="accent1"/>
+          </a:fillRef>
+          <a:effectRef idx="0">
+            <a:schemeClr val="accent1"/>
+          </a:effectRef>
+          <a:fontRef idx="minor">
+            <a:schemeClr val="tx1"/>
+          </a:fontRef>
+        </p:style>
+      </p:cxnSp>
+      <p:sp>
+        <p:nvSpPr>
+          <p:cNvPr id="19" name="18 CuadroTexto"/>
+          <p:cNvSpPr txBox="1"/>
+          <p:nvPr/>
+        </p:nvSpPr>
+        <p:spPr>
+          <a:xfrm>
+            <a:off x="5148064" y="4869160"/>
+            <a:ext cx="2520280" cy="369332"/>
+          </a:xfrm>
+          <a:prstGeom prst="rect">
+            <a:avLst/>
+          </a:prstGeom>
+          <a:noFill/>
+        </p:spPr>
+        <p:txBody>
+          <a:bodyPr wrap="square" rtlCol="0">
+            <a:spAutoFit/>
+          </a:bodyPr>
+          <a:lstStyle/>
+          <a:p>
+            <a:r>
+              <a:rPr lang="es-ES" dirty="0" smtClean="0"/>
+              <a:t>Una clase por tabla</a:t>
+            </a:r>
+            <a:endParaRPr lang="es-ES" dirty="0"/>
+          </a:p>
+        </p:txBody>
+      </p:sp>
+      <p:sp>
+        <p:nvSpPr>
+          <p:cNvPr id="20" name="19 CuadroTexto"/>
+          <p:cNvSpPr txBox="1"/>
+          <p:nvPr/>
+        </p:nvSpPr>
+        <p:spPr>
+          <a:xfrm>
+            <a:off x="5148064" y="4005064"/>
+            <a:ext cx="2520280" cy="646331"/>
+          </a:xfrm>
+          <a:prstGeom prst="rect">
+            <a:avLst/>
+          </a:prstGeom>
+          <a:noFill/>
+        </p:spPr>
+        <p:txBody>
+          <a:bodyPr wrap="square" rtlCol="0">
+            <a:spAutoFit/>
+          </a:bodyPr>
+          <a:lstStyle/>
+          <a:p>
+            <a:r>
+              <a:rPr lang="es-ES" dirty="0" smtClean="0"/>
+              <a:t>Un </a:t>
+            </a:r>
+            <a:r>
+              <a:rPr lang="es-ES" dirty="0" err="1" smtClean="0"/>
+              <a:t>service</a:t>
+            </a:r>
+            <a:r>
+              <a:rPr lang="es-ES" dirty="0" smtClean="0"/>
+              <a:t> por cada clase </a:t>
+            </a:r>
+            <a:r>
+              <a:rPr lang="es-ES" dirty="0" err="1" smtClean="0"/>
+              <a:t>Model</a:t>
+            </a:r>
+            <a:endParaRPr lang="es-ES" dirty="0"/>
+          </a:p>
+        </p:txBody>
+      </p:sp>
+      <p:sp>
+        <p:nvSpPr>
+          <p:cNvPr id="21" name="20 CuadroTexto"/>
+          <p:cNvSpPr txBox="1"/>
+          <p:nvPr/>
+        </p:nvSpPr>
+        <p:spPr>
+          <a:xfrm>
+            <a:off x="5220072" y="3068960"/>
+            <a:ext cx="2160240" cy="646331"/>
+          </a:xfrm>
+          <a:prstGeom prst="rect">
+            <a:avLst/>
+          </a:prstGeom>
+          <a:noFill/>
+        </p:spPr>
+        <p:txBody>
+          <a:bodyPr wrap="square" rtlCol="0">
+            <a:spAutoFit/>
+          </a:bodyPr>
+          <a:lstStyle/>
+          <a:p>
+            <a:r>
+              <a:rPr lang="es-ES" dirty="0" smtClean="0"/>
+              <a:t>Un </a:t>
+            </a:r>
+            <a:r>
+              <a:rPr lang="es-ES" dirty="0" err="1" smtClean="0"/>
+              <a:t>controller</a:t>
+            </a:r>
+            <a:r>
+              <a:rPr lang="es-ES" dirty="0" smtClean="0"/>
+              <a:t> por funcionalidad</a:t>
+            </a:r>
+            <a:endParaRPr lang="es-ES" dirty="0"/>
+          </a:p>
+        </p:txBody>
+      </p:sp>
+    </p:spTree>
+  </p:cSld>
+  <p:clrMapOvr>
+    <a:masterClrMapping/>
+  </p:clrMapOvr>
+</p:sld>
+</file>
+
+<file path=ppt/slides/slide5.xml><?xml version="1.0" encoding="utf-8"?>
+<p:sld xmlns:a="http://schemas.openxmlformats.org/drawingml/2006/main" xmlns:r="http://schemas.openxmlformats.org/officeDocument/2006/relationships" xmlns:p="http://schemas.openxmlformats.org/presentationml/2006/main">
+  <p:cSld>
+    <p:spTree>
+      <p:nvGrpSpPr>
+        <p:cNvPr id="1" name=""/>
+        <p:cNvGrpSpPr/>
+        <p:nvPr/>
+      </p:nvGrpSpPr>
+      <p:grpSpPr>
+        <a:xfrm>
+          <a:off x="0" y="0"/>
+          <a:ext cx="0" cy="0"/>
+          <a:chOff x="0" y="0"/>
+          <a:chExt cx="0" cy="0"/>
+        </a:xfrm>
+      </p:grpSpPr>
+      <p:sp>
+        <p:nvSpPr>
+          <p:cNvPr id="2" name="1 CuadroTexto"/>
+          <p:cNvSpPr txBox="1"/>
+          <p:nvPr/>
+        </p:nvSpPr>
+        <p:spPr>
+          <a:xfrm>
+            <a:off x="1547664" y="476672"/>
+            <a:ext cx="6192688" cy="461665"/>
+          </a:xfrm>
+          <a:prstGeom prst="rect">
+            <a:avLst/>
+          </a:prstGeom>
+          <a:noFill/>
+        </p:spPr>
+        <p:txBody>
+          <a:bodyPr wrap="square" rtlCol="0">
+            <a:spAutoFit/>
+          </a:bodyPr>
+          <a:lstStyle/>
+          <a:p>
+            <a:r>
+              <a:rPr lang="es-ES" sz="2400" dirty="0" smtClean="0"/>
+              <a:t>Estructura proyecto </a:t>
+            </a:r>
+            <a:r>
+              <a:rPr lang="es-ES" sz="2400" dirty="0" err="1" smtClean="0"/>
+              <a:t>front</a:t>
+            </a:r>
+            <a:endParaRPr lang="es-ES" sz="2400" dirty="0" smtClean="0"/>
+          </a:p>
+        </p:txBody>
+      </p:sp>
+      <p:sp>
+        <p:nvSpPr>
+          <p:cNvPr id="3" name="2 Tarjeta"/>
+          <p:cNvSpPr/>
+          <p:nvPr/>
+        </p:nvSpPr>
+        <p:spPr>
+          <a:xfrm>
+            <a:off x="1691680" y="1268760"/>
+            <a:ext cx="1152128" cy="648072"/>
+          </a:xfrm>
+          <a:prstGeom prst="flowChartPunchedCard">
+            <a:avLst/>
+          </a:prstGeom>
+          <a:noFill/>
+        </p:spPr>
+        <p:style>
+          <a:lnRef idx="2">
+            <a:schemeClr val="accent1">
+              <a:shade val="50000"/>
+            </a:schemeClr>
+          </a:lnRef>
+          <a:fillRef idx="1">
+            <a:schemeClr val="accent1"/>
+          </a:fillRef>
+          <a:effectRef idx="0">
+            <a:schemeClr val="accent1"/>
+          </a:effectRef>
+          <a:fontRef idx="minor">
+            <a:schemeClr val="lt1"/>
+          </a:fontRef>
+        </p:style>
+        <p:txBody>
+          <a:bodyPr rtlCol="0" anchor="ctr"/>
+          <a:lstStyle/>
+          <a:p>
+            <a:pPr algn="ctr"/>
+            <a:endParaRPr lang="es-ES"/>
+          </a:p>
+        </p:txBody>
+      </p:sp>
+      <p:sp>
+        <p:nvSpPr>
+          <p:cNvPr id="4" name="3 CuadroTexto"/>
+          <p:cNvSpPr txBox="1"/>
+          <p:nvPr/>
+        </p:nvSpPr>
+        <p:spPr>
+          <a:xfrm>
+            <a:off x="1887452" y="1361020"/>
+            <a:ext cx="864096" cy="461665"/>
+          </a:xfrm>
+          <a:prstGeom prst="rect">
+            <a:avLst/>
+          </a:prstGeom>
+          <a:noFill/>
+        </p:spPr>
+        <p:txBody>
+          <a:bodyPr wrap="square" rtlCol="0">
+            <a:spAutoFit/>
+          </a:bodyPr>
+          <a:lstStyle/>
+          <a:p>
+            <a:r>
+              <a:rPr lang="es-ES" sz="2400" dirty="0" err="1" smtClean="0"/>
+              <a:t>app</a:t>
+            </a:r>
+            <a:endParaRPr lang="es-ES" sz="2400" dirty="0"/>
+          </a:p>
+        </p:txBody>
+      </p:sp>
+      <p:sp>
+        <p:nvSpPr>
+          <p:cNvPr id="5" name="4 Tarjeta"/>
+          <p:cNvSpPr/>
+          <p:nvPr/>
+        </p:nvSpPr>
+        <p:spPr>
+          <a:xfrm>
+            <a:off x="2627784" y="2276872"/>
+            <a:ext cx="2376264" cy="648072"/>
+          </a:xfrm>
+          <a:prstGeom prst="flowChartPunchedCard">
+            <a:avLst/>
+          </a:prstGeom>
+          <a:noFill/>
+        </p:spPr>
+        <p:style>
+          <a:lnRef idx="2">
+            <a:schemeClr val="accent1">
+              <a:shade val="50000"/>
+            </a:schemeClr>
+          </a:lnRef>
+          <a:fillRef idx="1">
+            <a:schemeClr val="accent1"/>
+          </a:fillRef>
+          <a:effectRef idx="0">
+            <a:schemeClr val="accent1"/>
+          </a:effectRef>
+          <a:fontRef idx="minor">
+            <a:schemeClr val="lt1"/>
+          </a:fontRef>
+        </p:style>
+        <p:txBody>
+          <a:bodyPr rtlCol="0" anchor="ctr"/>
+          <a:lstStyle/>
+          <a:p>
+            <a:pPr algn="ctr"/>
+            <a:endParaRPr lang="es-ES"/>
+          </a:p>
+        </p:txBody>
+      </p:sp>
+      <p:sp>
+        <p:nvSpPr>
+          <p:cNvPr id="6" name="5 CuadroTexto"/>
+          <p:cNvSpPr txBox="1"/>
+          <p:nvPr/>
+        </p:nvSpPr>
+        <p:spPr>
+          <a:xfrm>
+            <a:off x="2823556" y="2369132"/>
+            <a:ext cx="1892460" cy="461665"/>
+          </a:xfrm>
+          <a:prstGeom prst="rect">
+            <a:avLst/>
+          </a:prstGeom>
+          <a:noFill/>
+        </p:spPr>
+        <p:txBody>
+          <a:bodyPr wrap="square" rtlCol="0">
+            <a:spAutoFit/>
+          </a:bodyPr>
+          <a:lstStyle/>
+          <a:p>
+            <a:r>
+              <a:rPr lang="es-ES" sz="2400" dirty="0" smtClean="0"/>
+              <a:t>componentes</a:t>
+            </a:r>
+            <a:endParaRPr lang="es-ES" sz="2400" dirty="0"/>
+          </a:p>
+        </p:txBody>
+      </p:sp>
+      <p:sp>
+        <p:nvSpPr>
+          <p:cNvPr id="7" name="6 Tarjeta"/>
+          <p:cNvSpPr/>
+          <p:nvPr/>
+        </p:nvSpPr>
+        <p:spPr>
+          <a:xfrm>
+            <a:off x="2627784" y="3933056"/>
+            <a:ext cx="2376264" cy="648072"/>
+          </a:xfrm>
+          <a:prstGeom prst="flowChartPunchedCard">
+            <a:avLst/>
+          </a:prstGeom>
+          <a:noFill/>
+        </p:spPr>
+        <p:style>
+          <a:lnRef idx="2">
+            <a:schemeClr val="accent1">
+              <a:shade val="50000"/>
+            </a:schemeClr>
+          </a:lnRef>
+          <a:fillRef idx="1">
+            <a:schemeClr val="accent1"/>
+          </a:fillRef>
+          <a:effectRef idx="0">
+            <a:schemeClr val="accent1"/>
+          </a:effectRef>
+          <a:fontRef idx="minor">
+            <a:schemeClr val="lt1"/>
+          </a:fontRef>
+        </p:style>
+        <p:txBody>
+          <a:bodyPr rtlCol="0" anchor="ctr"/>
+          <a:lstStyle/>
+          <a:p>
+            <a:pPr algn="ctr"/>
+            <a:endParaRPr lang="es-ES"/>
+          </a:p>
+        </p:txBody>
+      </p:sp>
+      <p:sp>
+        <p:nvSpPr>
+          <p:cNvPr id="8" name="7 CuadroTexto"/>
+          <p:cNvSpPr txBox="1"/>
+          <p:nvPr/>
+        </p:nvSpPr>
+        <p:spPr>
+          <a:xfrm>
+            <a:off x="2823556" y="4025316"/>
+            <a:ext cx="1892460" cy="461665"/>
+          </a:xfrm>
+          <a:prstGeom prst="rect">
+            <a:avLst/>
+          </a:prstGeom>
+          <a:noFill/>
+        </p:spPr>
+        <p:txBody>
+          <a:bodyPr wrap="square" rtlCol="0">
+            <a:spAutoFit/>
+          </a:bodyPr>
+          <a:lstStyle/>
+          <a:p>
+            <a:r>
+              <a:rPr lang="es-ES" sz="2400" dirty="0" err="1" smtClean="0"/>
+              <a:t>service</a:t>
+            </a:r>
+            <a:endParaRPr lang="es-ES" sz="2400" dirty="0"/>
+          </a:p>
+        </p:txBody>
+      </p:sp>
+      <p:sp>
+        <p:nvSpPr>
+          <p:cNvPr id="9" name="8 Tarjeta"/>
+          <p:cNvSpPr/>
+          <p:nvPr/>
+        </p:nvSpPr>
+        <p:spPr>
+          <a:xfrm>
+            <a:off x="2576028" y="5640996"/>
+            <a:ext cx="2376264" cy="648072"/>
+          </a:xfrm>
+          <a:prstGeom prst="flowChartPunchedCard">
+            <a:avLst/>
+          </a:prstGeom>
+          <a:noFill/>
+        </p:spPr>
+        <p:style>
+          <a:lnRef idx="2">
+            <a:schemeClr val="accent1">
+              <a:shade val="50000"/>
+            </a:schemeClr>
+          </a:lnRef>
+          <a:fillRef idx="1">
+            <a:schemeClr val="accent1"/>
+          </a:fillRef>
+          <a:effectRef idx="0">
+            <a:schemeClr val="accent1"/>
+          </a:effectRef>
+          <a:fontRef idx="minor">
+            <a:schemeClr val="lt1"/>
+          </a:fontRef>
+        </p:style>
+        <p:txBody>
+          <a:bodyPr rtlCol="0" anchor="ctr"/>
+          <a:lstStyle/>
+          <a:p>
+            <a:pPr algn="ctr"/>
+            <a:endParaRPr lang="es-ES"/>
+          </a:p>
+        </p:txBody>
+      </p:sp>
+      <p:sp>
+        <p:nvSpPr>
+          <p:cNvPr id="10" name="9 CuadroTexto"/>
+          <p:cNvSpPr txBox="1"/>
+          <p:nvPr/>
+        </p:nvSpPr>
+        <p:spPr>
+          <a:xfrm>
+            <a:off x="2771800" y="5733256"/>
+            <a:ext cx="1892460" cy="461665"/>
+          </a:xfrm>
+          <a:prstGeom prst="rect">
+            <a:avLst/>
+          </a:prstGeom>
+          <a:noFill/>
+        </p:spPr>
+        <p:txBody>
+          <a:bodyPr wrap="square" rtlCol="0">
+            <a:spAutoFit/>
+          </a:bodyPr>
+          <a:lstStyle/>
+          <a:p>
+            <a:r>
+              <a:rPr lang="es-ES" sz="2400" dirty="0" err="1" smtClean="0"/>
+              <a:t>model</a:t>
+            </a:r>
+            <a:endParaRPr lang="es-ES" sz="2400" dirty="0"/>
+          </a:p>
+        </p:txBody>
+      </p:sp>
+      <p:cxnSp>
+        <p:nvCxnSpPr>
+          <p:cNvPr id="12" name="11 Conector recto"/>
+          <p:cNvCxnSpPr>
+            <a:stCxn id="3" idx="2"/>
+          </p:cNvCxnSpPr>
+          <p:nvPr/>
+        </p:nvCxnSpPr>
+        <p:spPr>
+          <a:xfrm>
+            <a:off x="2267744" y="1916832"/>
+            <a:ext cx="0" cy="2520280"/>
+          </a:xfrm>
+          <a:prstGeom prst="line">
+            <a:avLst/>
+          </a:prstGeom>
+        </p:spPr>
+        <p:style>
+          <a:lnRef idx="1">
+            <a:schemeClr val="accent1"/>
+          </a:lnRef>
+          <a:fillRef idx="0">
+            <a:schemeClr val="accent1"/>
+          </a:fillRef>
+          <a:effectRef idx="0">
+            <a:schemeClr val="accent1"/>
+          </a:effectRef>
+          <a:fontRef idx="minor">
+            <a:schemeClr val="tx1"/>
+          </a:fontRef>
+        </p:style>
+      </p:cxnSp>
+      <p:cxnSp>
+        <p:nvCxnSpPr>
+          <p:cNvPr id="14" name="13 Conector recto"/>
+          <p:cNvCxnSpPr>
+            <a:endCxn id="9" idx="1"/>
+          </p:cNvCxnSpPr>
+          <p:nvPr/>
+        </p:nvCxnSpPr>
+        <p:spPr>
+          <a:xfrm flipV="1">
+            <a:off x="2215988" y="5965032"/>
+            <a:ext cx="360040" cy="36004"/>
+          </a:xfrm>
+          <a:prstGeom prst="line">
+            <a:avLst/>
+          </a:prstGeom>
+        </p:spPr>
+        <p:style>
+          <a:lnRef idx="1">
+            <a:schemeClr val="accent1"/>
+          </a:lnRef>
+          <a:fillRef idx="0">
+            <a:schemeClr val="accent1"/>
+          </a:fillRef>
+          <a:effectRef idx="0">
+            <a:schemeClr val="accent1"/>
+          </a:effectRef>
+          <a:fontRef idx="minor">
+            <a:schemeClr val="tx1"/>
+          </a:fontRef>
+        </p:style>
+      </p:cxnSp>
+      <p:cxnSp>
+        <p:nvCxnSpPr>
+          <p:cNvPr id="16" name="15 Conector recto"/>
+          <p:cNvCxnSpPr>
+            <a:endCxn id="7" idx="1"/>
+          </p:cNvCxnSpPr>
+          <p:nvPr/>
+        </p:nvCxnSpPr>
+        <p:spPr>
+          <a:xfrm>
+            <a:off x="2267744" y="4221088"/>
+            <a:ext cx="360040" cy="36004"/>
+          </a:xfrm>
+          <a:prstGeom prst="line">
+            <a:avLst/>
+          </a:prstGeom>
+        </p:spPr>
+        <p:style>
+          <a:lnRef idx="1">
+            <a:schemeClr val="accent1"/>
+          </a:lnRef>
+          <a:fillRef idx="0">
+            <a:schemeClr val="accent1"/>
+          </a:fillRef>
+          <a:effectRef idx="0">
+            <a:schemeClr val="accent1"/>
+          </a:effectRef>
+          <a:fontRef idx="minor">
+            <a:schemeClr val="tx1"/>
+          </a:fontRef>
+        </p:style>
+      </p:cxnSp>
+      <p:cxnSp>
+        <p:nvCxnSpPr>
+          <p:cNvPr id="18" name="17 Conector recto"/>
+          <p:cNvCxnSpPr>
+            <a:endCxn id="5" idx="1"/>
+          </p:cNvCxnSpPr>
+          <p:nvPr/>
+        </p:nvCxnSpPr>
+        <p:spPr>
+          <a:xfrm flipV="1">
+            <a:off x="2267744" y="2600908"/>
+            <a:ext cx="360040" cy="36004"/>
+          </a:xfrm>
+          <a:prstGeom prst="line">
+            <a:avLst/>
+          </a:prstGeom>
+        </p:spPr>
+        <p:style>
+          <a:lnRef idx="1">
+            <a:schemeClr val="accent1"/>
+          </a:lnRef>
+          <a:fillRef idx="0">
+            <a:schemeClr val="accent1"/>
+          </a:fillRef>
+          <a:effectRef idx="0">
+            <a:schemeClr val="accent1"/>
+          </a:effectRef>
+          <a:fontRef idx="minor">
+            <a:schemeClr val="tx1"/>
+          </a:fontRef>
+        </p:style>
+      </p:cxnSp>
+      <p:sp>
+        <p:nvSpPr>
+          <p:cNvPr id="22" name="21 Tarjeta"/>
+          <p:cNvSpPr/>
+          <p:nvPr/>
+        </p:nvSpPr>
+        <p:spPr>
+          <a:xfrm>
+            <a:off x="4139952" y="3068960"/>
+            <a:ext cx="1584176" cy="360040"/>
+          </a:xfrm>
+          <a:prstGeom prst="flowChartPunchedCard">
+            <a:avLst/>
+          </a:prstGeom>
+          <a:noFill/>
+        </p:spPr>
+        <p:style>
+          <a:lnRef idx="2">
+            <a:schemeClr val="accent1">
+              <a:shade val="50000"/>
+            </a:schemeClr>
+          </a:lnRef>
+          <a:fillRef idx="1">
+            <a:schemeClr val="accent1"/>
+          </a:fillRef>
+          <a:effectRef idx="0">
+            <a:schemeClr val="accent1"/>
+          </a:effectRef>
+          <a:fontRef idx="minor">
+            <a:schemeClr val="lt1"/>
+          </a:fontRef>
+        </p:style>
+        <p:txBody>
+          <a:bodyPr rtlCol="0" anchor="ctr"/>
+          <a:lstStyle/>
+          <a:p>
+            <a:pPr algn="ctr"/>
+            <a:endParaRPr lang="es-ES"/>
+          </a:p>
+        </p:txBody>
+      </p:sp>
+      <p:sp>
+        <p:nvSpPr>
+          <p:cNvPr id="23" name="22 CuadroTexto"/>
+          <p:cNvSpPr txBox="1"/>
+          <p:nvPr/>
+        </p:nvSpPr>
+        <p:spPr>
+          <a:xfrm>
+            <a:off x="4499992" y="3068960"/>
+            <a:ext cx="1008112" cy="369332"/>
+          </a:xfrm>
+          <a:prstGeom prst="rect">
+            <a:avLst/>
+          </a:prstGeom>
+          <a:noFill/>
+        </p:spPr>
+        <p:txBody>
+          <a:bodyPr wrap="square" rtlCol="0">
+            <a:spAutoFit/>
+          </a:bodyPr>
+          <a:lstStyle/>
+          <a:p>
+            <a:r>
+              <a:rPr lang="es-ES" dirty="0" smtClean="0"/>
+              <a:t>clientes</a:t>
+            </a:r>
+            <a:endParaRPr lang="es-ES" dirty="0"/>
+          </a:p>
+        </p:txBody>
+      </p:sp>
+      <p:sp>
+        <p:nvSpPr>
+          <p:cNvPr id="27" name="26 Tarjeta"/>
+          <p:cNvSpPr/>
+          <p:nvPr/>
+        </p:nvSpPr>
+        <p:spPr>
+          <a:xfrm>
+            <a:off x="4139952" y="3501008"/>
+            <a:ext cx="1584176" cy="360040"/>
+          </a:xfrm>
+          <a:prstGeom prst="flowChartPunchedCard">
+            <a:avLst/>
+          </a:prstGeom>
+          <a:noFill/>
+        </p:spPr>
+        <p:style>
+          <a:lnRef idx="2">
+            <a:schemeClr val="accent1">
+              <a:shade val="50000"/>
+            </a:schemeClr>
+          </a:lnRef>
+          <a:fillRef idx="1">
+            <a:schemeClr val="accent1"/>
+          </a:fillRef>
+          <a:effectRef idx="0">
+            <a:schemeClr val="accent1"/>
+          </a:effectRef>
+          <a:fontRef idx="minor">
+            <a:schemeClr val="lt1"/>
+          </a:fontRef>
+        </p:style>
+        <p:txBody>
+          <a:bodyPr rtlCol="0" anchor="ctr"/>
+          <a:lstStyle/>
+          <a:p>
+            <a:pPr algn="ctr"/>
+            <a:endParaRPr lang="es-ES"/>
+          </a:p>
+        </p:txBody>
+      </p:sp>
+      <p:sp>
+        <p:nvSpPr>
+          <p:cNvPr id="28" name="27 CuadroTexto"/>
+          <p:cNvSpPr txBox="1"/>
+          <p:nvPr/>
+        </p:nvSpPr>
+        <p:spPr>
+          <a:xfrm>
+            <a:off x="4427984" y="3501008"/>
+            <a:ext cx="1152128" cy="369332"/>
+          </a:xfrm>
+          <a:prstGeom prst="rect">
+            <a:avLst/>
+          </a:prstGeom>
+          <a:noFill/>
+        </p:spPr>
+        <p:txBody>
+          <a:bodyPr wrap="square" rtlCol="0">
+            <a:spAutoFit/>
+          </a:bodyPr>
+          <a:lstStyle/>
+          <a:p>
+            <a:r>
+              <a:rPr lang="es-ES" dirty="0" smtClean="0"/>
+              <a:t>productos</a:t>
+            </a:r>
+            <a:endParaRPr lang="es-ES" dirty="0"/>
+          </a:p>
+        </p:txBody>
+      </p:sp>
+      <p:sp>
+        <p:nvSpPr>
+          <p:cNvPr id="29" name="28 Tarjeta"/>
+          <p:cNvSpPr/>
+          <p:nvPr/>
+        </p:nvSpPr>
+        <p:spPr>
+          <a:xfrm>
+            <a:off x="4211960" y="4653136"/>
+            <a:ext cx="1584176" cy="360040"/>
+          </a:xfrm>
+          <a:prstGeom prst="flowChartPunchedCard">
+            <a:avLst/>
+          </a:prstGeom>
+          <a:noFill/>
+        </p:spPr>
+        <p:style>
+          <a:lnRef idx="2">
+            <a:schemeClr val="accent1">
+              <a:shade val="50000"/>
+            </a:schemeClr>
+          </a:lnRef>
+          <a:fillRef idx="1">
+            <a:schemeClr val="accent1"/>
+          </a:fillRef>
+          <a:effectRef idx="0">
+            <a:schemeClr val="accent1"/>
+          </a:effectRef>
+          <a:fontRef idx="minor">
+            <a:schemeClr val="lt1"/>
+          </a:fontRef>
+        </p:style>
+        <p:txBody>
+          <a:bodyPr rtlCol="0" anchor="ctr"/>
+          <a:lstStyle/>
+          <a:p>
+            <a:pPr algn="ctr"/>
+            <a:endParaRPr lang="es-ES"/>
+          </a:p>
+        </p:txBody>
+      </p:sp>
+      <p:sp>
+        <p:nvSpPr>
+          <p:cNvPr id="30" name="29 CuadroTexto"/>
+          <p:cNvSpPr txBox="1"/>
+          <p:nvPr/>
+        </p:nvSpPr>
+        <p:spPr>
+          <a:xfrm>
+            <a:off x="4572000" y="4653136"/>
+            <a:ext cx="1008112" cy="369332"/>
+          </a:xfrm>
+          <a:prstGeom prst="rect">
+            <a:avLst/>
+          </a:prstGeom>
+          <a:noFill/>
+        </p:spPr>
+        <p:txBody>
+          <a:bodyPr wrap="square" rtlCol="0">
+            <a:spAutoFit/>
+          </a:bodyPr>
+          <a:lstStyle/>
+          <a:p>
+            <a:r>
+              <a:rPr lang="es-ES" dirty="0" smtClean="0"/>
+              <a:t>clientes</a:t>
+            </a:r>
+            <a:endParaRPr lang="es-ES" dirty="0"/>
+          </a:p>
+        </p:txBody>
+      </p:sp>
+      <p:sp>
+        <p:nvSpPr>
+          <p:cNvPr id="31" name="30 Tarjeta"/>
+          <p:cNvSpPr/>
+          <p:nvPr/>
+        </p:nvSpPr>
+        <p:spPr>
+          <a:xfrm>
+            <a:off x="4211960" y="5085184"/>
+            <a:ext cx="1584176" cy="360040"/>
+          </a:xfrm>
+          <a:prstGeom prst="flowChartPunchedCard">
+            <a:avLst/>
+          </a:prstGeom>
+          <a:noFill/>
+        </p:spPr>
+        <p:style>
+          <a:lnRef idx="2">
+            <a:schemeClr val="accent1">
+              <a:shade val="50000"/>
+            </a:schemeClr>
+          </a:lnRef>
+          <a:fillRef idx="1">
+            <a:schemeClr val="accent1"/>
+          </a:fillRef>
+          <a:effectRef idx="0">
+            <a:schemeClr val="accent1"/>
+          </a:effectRef>
+          <a:fontRef idx="minor">
+            <a:schemeClr val="lt1"/>
+          </a:fontRef>
+        </p:style>
+        <p:txBody>
+          <a:bodyPr rtlCol="0" anchor="ctr"/>
+          <a:lstStyle/>
+          <a:p>
+            <a:pPr algn="ctr"/>
+            <a:endParaRPr lang="es-ES"/>
+          </a:p>
+        </p:txBody>
+      </p:sp>
+      <p:sp>
+        <p:nvSpPr>
+          <p:cNvPr id="32" name="31 CuadroTexto"/>
+          <p:cNvSpPr txBox="1"/>
+          <p:nvPr/>
+        </p:nvSpPr>
+        <p:spPr>
+          <a:xfrm>
+            <a:off x="4499992" y="5085184"/>
+            <a:ext cx="1152128" cy="369332"/>
+          </a:xfrm>
+          <a:prstGeom prst="rect">
+            <a:avLst/>
+          </a:prstGeom>
+          <a:noFill/>
+        </p:spPr>
+        <p:txBody>
+          <a:bodyPr wrap="square" rtlCol="0">
+            <a:spAutoFit/>
+          </a:bodyPr>
+          <a:lstStyle/>
+          <a:p>
+            <a:r>
+              <a:rPr lang="es-ES" dirty="0" smtClean="0"/>
+              <a:t>productos</a:t>
+            </a:r>
+            <a:endParaRPr lang="es-ES" dirty="0"/>
+          </a:p>
+        </p:txBody>
+      </p:sp>
+    </p:spTree>
+  </p:cSld>
+  <p:clrMapOvr>
+    <a:masterClrMapping/>
+  </p:clrMapOvr>
+</p:sld>
+</file>
+
+<file path=ppt/slides/slide6.xml><?xml version="1.0" encoding="utf-8"?>
+<p:sld xmlns:a="http://schemas.openxmlformats.org/drawingml/2006/main" xmlns:r="http://schemas.openxmlformats.org/officeDocument/2006/relationships" xmlns:p="http://schemas.openxmlformats.org/presentationml/2006/main">
+  <p:cSld>
+    <p:spTree>
+      <p:nvGrpSpPr>
+        <p:cNvPr id="1" name=""/>
+        <p:cNvGrpSpPr/>
+        <p:nvPr/>
+      </p:nvGrpSpPr>
+      <p:grpSpPr>
+        <a:xfrm>
+          <a:off x="0" y="0"/>
+          <a:ext cx="0" cy="0"/>
+          <a:chOff x="0" y="0"/>
+          <a:chExt cx="0" cy="0"/>
+        </a:xfrm>
+      </p:grpSpPr>
+      <p:sp>
+        <p:nvSpPr>
+          <p:cNvPr id="2" name="1 Elipse"/>
+          <p:cNvSpPr/>
+          <p:nvPr/>
+        </p:nvSpPr>
+        <p:spPr>
+          <a:xfrm>
+            <a:off x="3563888" y="1844824"/>
+            <a:ext cx="1512168" cy="1008112"/>
+          </a:xfrm>
+          <a:prstGeom prst="ellipse">
+            <a:avLst/>
+          </a:prstGeom>
+          <a:solidFill>
+            <a:schemeClr val="bg1">
+              <a:lumMod val="95000"/>
+            </a:schemeClr>
+          </a:solidFill>
+        </p:spPr>
+        <p:style>
+          <a:lnRef idx="2">
+            <a:schemeClr val="accent1">
+              <a:shade val="50000"/>
+            </a:schemeClr>
+          </a:lnRef>
+          <a:fillRef idx="1">
+            <a:schemeClr val="accent1"/>
+          </a:fillRef>
+          <a:effectRef idx="0">
+            <a:schemeClr val="accent1"/>
+          </a:effectRef>
+          <a:fontRef idx="minor">
+            <a:schemeClr val="lt1"/>
+          </a:fontRef>
+        </p:style>
+        <p:txBody>
+          <a:bodyPr rtlCol="0" anchor="ctr"/>
+          <a:lstStyle/>
+          <a:p>
+            <a:pPr algn="ctr"/>
+            <a:endParaRPr lang="es-ES"/>
+          </a:p>
+        </p:txBody>
+      </p:sp>
+      <p:sp>
+        <p:nvSpPr>
+          <p:cNvPr id="3" name="2 CuadroTexto"/>
+          <p:cNvSpPr txBox="1"/>
+          <p:nvPr/>
+        </p:nvSpPr>
+        <p:spPr>
+          <a:xfrm>
+            <a:off x="3851920" y="2132856"/>
+            <a:ext cx="1152128" cy="646331"/>
+          </a:xfrm>
+          <a:prstGeom prst="rect">
+            <a:avLst/>
+          </a:prstGeom>
+          <a:noFill/>
+        </p:spPr>
+        <p:txBody>
+          <a:bodyPr wrap="square" rtlCol="0">
+            <a:spAutoFit/>
+          </a:bodyPr>
+          <a:lstStyle/>
+          <a:p>
+            <a:r>
+              <a:rPr lang="es-ES" dirty="0" smtClean="0"/>
+              <a:t>servicio </a:t>
+            </a:r>
+            <a:r>
+              <a:rPr lang="es-ES" dirty="0" err="1" smtClean="0"/>
+              <a:t>paises</a:t>
+            </a:r>
+            <a:endParaRPr lang="es-ES" dirty="0"/>
+          </a:p>
+        </p:txBody>
+      </p:sp>
+      <p:sp>
+        <p:nvSpPr>
+          <p:cNvPr id="4" name="3 Elipse"/>
+          <p:cNvSpPr/>
+          <p:nvPr/>
+        </p:nvSpPr>
+        <p:spPr>
+          <a:xfrm>
+            <a:off x="6372200" y="980728"/>
+            <a:ext cx="1512168" cy="1008112"/>
+          </a:xfrm>
+          <a:prstGeom prst="ellipse">
+            <a:avLst/>
+          </a:prstGeom>
+          <a:solidFill>
+            <a:schemeClr val="bg1">
+              <a:lumMod val="95000"/>
+            </a:schemeClr>
+          </a:solidFill>
+        </p:spPr>
+        <p:style>
+          <a:lnRef idx="2">
+            <a:schemeClr val="accent1">
+              <a:shade val="50000"/>
+            </a:schemeClr>
+          </a:lnRef>
+          <a:fillRef idx="1">
+            <a:schemeClr val="accent1"/>
+          </a:fillRef>
+          <a:effectRef idx="0">
+            <a:schemeClr val="accent1"/>
+          </a:effectRef>
+          <a:fontRef idx="minor">
+            <a:schemeClr val="lt1"/>
+          </a:fontRef>
+        </p:style>
+        <p:txBody>
+          <a:bodyPr rtlCol="0" anchor="ctr"/>
+          <a:lstStyle/>
+          <a:p>
+            <a:pPr algn="ctr"/>
+            <a:endParaRPr lang="es-ES"/>
+          </a:p>
+        </p:txBody>
+      </p:sp>
+      <p:sp>
+        <p:nvSpPr>
+          <p:cNvPr id="5" name="4 CuadroTexto"/>
+          <p:cNvSpPr txBox="1"/>
+          <p:nvPr/>
+        </p:nvSpPr>
+        <p:spPr>
+          <a:xfrm>
+            <a:off x="6372200" y="1268760"/>
+            <a:ext cx="1440160" cy="369332"/>
+          </a:xfrm>
+          <a:prstGeom prst="rect">
+            <a:avLst/>
+          </a:prstGeom>
+          <a:noFill/>
+        </p:spPr>
+        <p:txBody>
+          <a:bodyPr wrap="square" rtlCol="0">
+            <a:spAutoFit/>
+          </a:bodyPr>
+          <a:lstStyle/>
+          <a:p>
+            <a:r>
+              <a:rPr lang="es-ES" dirty="0" err="1" smtClean="0"/>
+              <a:t>rescountries</a:t>
+            </a:r>
+            <a:endParaRPr lang="es-ES" dirty="0"/>
+          </a:p>
+        </p:txBody>
+      </p:sp>
+      <p:sp>
+        <p:nvSpPr>
+          <p:cNvPr id="6" name="5 Elipse"/>
+          <p:cNvSpPr/>
+          <p:nvPr/>
+        </p:nvSpPr>
+        <p:spPr>
+          <a:xfrm>
+            <a:off x="683568" y="3356992"/>
+            <a:ext cx="1512168" cy="1008112"/>
+          </a:xfrm>
+          <a:prstGeom prst="ellipse">
+            <a:avLst/>
+          </a:prstGeom>
+          <a:solidFill>
+            <a:schemeClr val="bg1">
+              <a:lumMod val="95000"/>
+            </a:schemeClr>
+          </a:solidFill>
+        </p:spPr>
+        <p:style>
+          <a:lnRef idx="2">
+            <a:schemeClr val="accent1">
+              <a:shade val="50000"/>
+            </a:schemeClr>
+          </a:lnRef>
+          <a:fillRef idx="1">
+            <a:schemeClr val="accent1"/>
+          </a:fillRef>
+          <a:effectRef idx="0">
+            <a:schemeClr val="accent1"/>
+          </a:effectRef>
+          <a:fontRef idx="minor">
+            <a:schemeClr val="lt1"/>
+          </a:fontRef>
+        </p:style>
+        <p:txBody>
+          <a:bodyPr rtlCol="0" anchor="ctr"/>
+          <a:lstStyle/>
+          <a:p>
+            <a:pPr algn="ctr"/>
+            <a:endParaRPr lang="es-ES"/>
+          </a:p>
+        </p:txBody>
+      </p:sp>
+      <p:sp>
+        <p:nvSpPr>
+          <p:cNvPr id="7" name="6 CuadroTexto"/>
+          <p:cNvSpPr txBox="1"/>
+          <p:nvPr/>
+        </p:nvSpPr>
+        <p:spPr>
+          <a:xfrm>
+            <a:off x="971600" y="3645024"/>
+            <a:ext cx="1152128" cy="369332"/>
+          </a:xfrm>
+          <a:prstGeom prst="rect">
+            <a:avLst/>
+          </a:prstGeom>
+          <a:noFill/>
+        </p:spPr>
+        <p:txBody>
+          <a:bodyPr wrap="square" rtlCol="0">
+            <a:spAutoFit/>
+          </a:bodyPr>
+          <a:lstStyle/>
+          <a:p>
+            <a:r>
+              <a:rPr lang="es-ES" dirty="0" err="1" smtClean="0"/>
+              <a:t>app</a:t>
+            </a:r>
+            <a:r>
+              <a:rPr lang="es-ES" dirty="0" smtClean="0"/>
+              <a:t> </a:t>
+            </a:r>
+            <a:r>
+              <a:rPr lang="es-ES" dirty="0" err="1" smtClean="0"/>
+              <a:t>front</a:t>
+            </a:r>
+            <a:endParaRPr lang="es-ES" dirty="0"/>
+          </a:p>
+        </p:txBody>
+      </p:sp>
+      <p:cxnSp>
+        <p:nvCxnSpPr>
+          <p:cNvPr id="9" name="8 Conector recto de flecha"/>
+          <p:cNvCxnSpPr/>
+          <p:nvPr/>
+        </p:nvCxnSpPr>
+        <p:spPr>
+          <a:xfrm flipV="1">
+            <a:off x="1835696" y="2564904"/>
+            <a:ext cx="1728192" cy="792088"/>
+          </a:xfrm>
+          <a:prstGeom prst="straightConnector1">
+            <a:avLst/>
+          </a:prstGeom>
+          <a:ln>
+            <a:tailEnd type="arrow"/>
+          </a:ln>
+        </p:spPr>
+        <p:style>
+          <a:lnRef idx="1">
+            <a:schemeClr val="accent1"/>
+          </a:lnRef>
+          <a:fillRef idx="0">
+            <a:schemeClr val="accent1"/>
+          </a:fillRef>
+          <a:effectRef idx="0">
+            <a:schemeClr val="accent1"/>
+          </a:effectRef>
+          <a:fontRef idx="minor">
+            <a:schemeClr val="tx1"/>
+          </a:fontRef>
+        </p:style>
+      </p:cxnSp>
+      <p:cxnSp>
+        <p:nvCxnSpPr>
+          <p:cNvPr id="11" name="10 Conector recto de flecha"/>
+          <p:cNvCxnSpPr>
+            <a:stCxn id="2" idx="3"/>
+            <a:endCxn id="6" idx="7"/>
+          </p:cNvCxnSpPr>
+          <p:nvPr/>
+        </p:nvCxnSpPr>
+        <p:spPr>
+          <a:xfrm flipH="1">
+            <a:off x="1974284" y="2705302"/>
+            <a:ext cx="1811056" cy="799324"/>
+          </a:xfrm>
+          <a:prstGeom prst="straightConnector1">
+            <a:avLst/>
+          </a:prstGeom>
+          <a:ln>
+            <a:tailEnd type="arrow"/>
+          </a:ln>
+        </p:spPr>
+        <p:style>
+          <a:lnRef idx="1">
+            <a:schemeClr val="accent1"/>
+          </a:lnRef>
+          <a:fillRef idx="0">
+            <a:schemeClr val="accent1"/>
+          </a:fillRef>
+          <a:effectRef idx="0">
+            <a:schemeClr val="accent1"/>
+          </a:effectRef>
+          <a:fontRef idx="minor">
+            <a:schemeClr val="tx1"/>
+          </a:fontRef>
+        </p:style>
+      </p:cxnSp>
+      <p:cxnSp>
+        <p:nvCxnSpPr>
+          <p:cNvPr id="13" name="12 Conector recto de flecha"/>
+          <p:cNvCxnSpPr>
+            <a:endCxn id="5" idx="1"/>
+          </p:cNvCxnSpPr>
+          <p:nvPr/>
+        </p:nvCxnSpPr>
+        <p:spPr>
+          <a:xfrm flipV="1">
+            <a:off x="4716016" y="1453426"/>
+            <a:ext cx="1656184" cy="463406"/>
+          </a:xfrm>
+          <a:prstGeom prst="straightConnector1">
+            <a:avLst/>
+          </a:prstGeom>
+          <a:ln>
+            <a:tailEnd type="arrow"/>
+          </a:ln>
+        </p:spPr>
+        <p:style>
+          <a:lnRef idx="1">
+            <a:schemeClr val="accent1"/>
+          </a:lnRef>
+          <a:fillRef idx="0">
+            <a:schemeClr val="accent1"/>
+          </a:fillRef>
+          <a:effectRef idx="0">
+            <a:schemeClr val="accent1"/>
+          </a:effectRef>
+          <a:fontRef idx="minor">
+            <a:schemeClr val="tx1"/>
+          </a:fontRef>
+        </p:style>
+      </p:cxnSp>
+      <p:cxnSp>
+        <p:nvCxnSpPr>
+          <p:cNvPr id="15" name="14 Conector recto de flecha"/>
+          <p:cNvCxnSpPr/>
+          <p:nvPr/>
+        </p:nvCxnSpPr>
+        <p:spPr>
+          <a:xfrm flipH="1">
+            <a:off x="5004048" y="1700808"/>
+            <a:ext cx="1368152" cy="360040"/>
+          </a:xfrm>
+          <a:prstGeom prst="straightConnector1">
+            <a:avLst/>
+          </a:prstGeom>
+          <a:ln>
+            <a:tailEnd type="arrow"/>
+          </a:ln>
+        </p:spPr>
+        <p:style>
+          <a:lnRef idx="1">
+            <a:schemeClr val="accent1"/>
+          </a:lnRef>
+          <a:fillRef idx="0">
+            <a:schemeClr val="accent1"/>
+          </a:fillRef>
+          <a:effectRef idx="0">
+            <a:schemeClr val="accent1"/>
+          </a:effectRef>
+          <a:fontRef idx="minor">
+            <a:schemeClr val="tx1"/>
+          </a:fontRef>
+        </p:style>
+      </p:cxnSp>
+      <p:sp>
+        <p:nvSpPr>
+          <p:cNvPr id="16" name="15 CuadroTexto"/>
+          <p:cNvSpPr txBox="1"/>
+          <p:nvPr/>
+        </p:nvSpPr>
+        <p:spPr>
+          <a:xfrm>
+            <a:off x="3563888" y="1412776"/>
+            <a:ext cx="1224136" cy="369332"/>
+          </a:xfrm>
+          <a:prstGeom prst="rect">
+            <a:avLst/>
+          </a:prstGeom>
+          <a:noFill/>
+        </p:spPr>
+        <p:txBody>
+          <a:bodyPr wrap="square" rtlCol="0">
+            <a:spAutoFit/>
+          </a:bodyPr>
+          <a:lstStyle/>
+          <a:p>
+            <a:r>
+              <a:rPr lang="es-ES" dirty="0" smtClean="0"/>
+              <a:t>3000</a:t>
+            </a:r>
+            <a:endParaRPr lang="es-ES" dirty="0"/>
+          </a:p>
+        </p:txBody>
+      </p:sp>
+    </p:spTree>
+  </p:cSld>
+  <p:clrMapOvr>
+    <a:masterClrMapping/>
+  </p:clrMapOvr>
+</p:sld>
+</file>
+
+<file path=ppt/slides/slide7.xml><?xml version="1.0" encoding="utf-8"?>
+<p:sld xmlns:a="http://schemas.openxmlformats.org/drawingml/2006/main" xmlns:r="http://schemas.openxmlformats.org/officeDocument/2006/relationships" xmlns:p="http://schemas.openxmlformats.org/presentationml/2006/main">
+  <p:cSld>
+    <p:spTree>
+      <p:nvGrpSpPr>
+        <p:cNvPr id="1" name=""/>
+        <p:cNvGrpSpPr/>
+        <p:nvPr/>
+      </p:nvGrpSpPr>
+      <p:grpSpPr>
+        <a:xfrm>
+          <a:off x="0" y="0"/>
+          <a:ext cx="0" cy="0"/>
+          <a:chOff x="0" y="0"/>
+          <a:chExt cx="0" cy="0"/>
+        </a:xfrm>
+      </p:grpSpPr>
+      <p:pic>
+        <p:nvPicPr>
+          <p:cNvPr id="2" name="Picture 3"/>
+          <p:cNvPicPr>
+            <a:picLocks noChangeAspect="1" noChangeArrowheads="1"/>
+          </p:cNvPicPr>
+          <p:nvPr/>
+        </p:nvPicPr>
+        <p:blipFill>
+          <a:blip r:embed="rId2" cstate="print"/>
+          <a:srcRect/>
+          <a:stretch>
+            <a:fillRect/>
+          </a:stretch>
+        </p:blipFill>
+        <p:spPr bwMode="auto">
+          <a:xfrm>
+            <a:off x="827584" y="1059582"/>
+            <a:ext cx="6086251" cy="3187664"/>
+          </a:xfrm>
+          <a:prstGeom prst="rect">
+            <a:avLst/>
+          </a:prstGeom>
+          <a:noFill/>
+          <a:ln w="6350">
+            <a:solidFill>
+              <a:schemeClr val="tx1"/>
+            </a:solidFill>
+            <a:miter lim="800000"/>
+            <a:headEnd/>
+            <a:tailEnd/>
+          </a:ln>
+        </p:spPr>
+      </p:pic>
     </p:spTree>
   </p:cSld>
   <p:clrMapOvr>
